--- a/Python.pptx
+++ b/Python.pptx
@@ -938,7 +938,7 @@
             <a:fld id="{52F73076-280E-4994-B9AF-08CB19D7A53F}" type="datetimeFigureOut">
               <a:rPr lang="en-US" smtClean="0"/>
               <a:pPr/>
-              <a:t>8/18/2018</a:t>
+              <a:t>8/20/2018</a:t>
             </a:fld>
             <a:endParaRPr lang="en-US" dirty="0"/>
           </a:p>
@@ -1390,7 +1390,7 @@
             <a:fld id="{52F73076-280E-4994-B9AF-08CB19D7A53F}" type="datetimeFigureOut">
               <a:rPr lang="en-US" smtClean="0"/>
               <a:pPr/>
-              <a:t>8/18/2018</a:t>
+              <a:t>8/20/2018</a:t>
             </a:fld>
             <a:endParaRPr lang="en-US" dirty="0"/>
           </a:p>
@@ -2610,7 +2610,7 @@
             <a:fld id="{52F73076-280E-4994-B9AF-08CB19D7A53F}" type="datetimeFigureOut">
               <a:rPr lang="en-US" smtClean="0"/>
               <a:pPr/>
-              <a:t>8/18/2018</a:t>
+              <a:t>8/20/2018</a:t>
             </a:fld>
             <a:endParaRPr lang="en-US" dirty="0"/>
           </a:p>
@@ -3035,7 +3035,7 @@
             <a:fld id="{52F73076-280E-4994-B9AF-08CB19D7A53F}" type="datetimeFigureOut">
               <a:rPr lang="en-US" smtClean="0"/>
               <a:pPr/>
-              <a:t>8/18/2018</a:t>
+              <a:t>8/20/2018</a:t>
             </a:fld>
             <a:endParaRPr lang="en-US" dirty="0"/>
           </a:p>
@@ -16523,16 +16523,7 @@
                 </a:solidFill>
                 <a:latin typeface="Consolas" panose="020B0609020204030204" pitchFamily="49" charset="0"/>
               </a:rPr>
-              <a:t>(l</a:t>
-            </a:r>
-            <a:r>
-              <a:rPr lang="en-IN" sz="2000" dirty="0" smtClean="0">
-                <a:solidFill>
-                  <a:srgbClr val="D3AF86"/>
-                </a:solidFill>
-                <a:latin typeface="Consolas" panose="020B0609020204030204" pitchFamily="49" charset="0"/>
-              </a:rPr>
-              <a:t>) #</a:t>
+              <a:t>(l) #</a:t>
             </a:r>
             <a:r>
               <a:rPr lang="en-IN" sz="2000" dirty="0" smtClean="0">
@@ -18720,16 +18711,7 @@
                 </a:solidFill>
                 <a:latin typeface="Consolas" panose="020B0609020204030204" pitchFamily="49" charset="0"/>
               </a:rPr>
-              <a:t>10</a:t>
-            </a:r>
-            <a:r>
-              <a:rPr lang="en-IN" sz="2000" dirty="0" smtClean="0">
-                <a:solidFill>
-                  <a:srgbClr val="F79A32"/>
-                </a:solidFill>
-                <a:latin typeface="Consolas" panose="020B0609020204030204" pitchFamily="49" charset="0"/>
-              </a:rPr>
-              <a:t>, 20</a:t>
+              <a:t>10, 20</a:t>
             </a:r>
             <a:r>
               <a:rPr lang="en-IN" sz="2000" dirty="0" smtClean="0">
@@ -20793,16 +20775,7 @@
                 </a:solidFill>
                 <a:latin typeface="Consolas" panose="020B0609020204030204" pitchFamily="49" charset="0"/>
               </a:rPr>
-              <a:t>(x</a:t>
-            </a:r>
-            <a:r>
-              <a:rPr lang="en-IN" sz="2000" dirty="0" smtClean="0">
-                <a:solidFill>
-                  <a:srgbClr val="D3AF86"/>
-                </a:solidFill>
-                <a:latin typeface="Consolas" panose="020B0609020204030204" pitchFamily="49" charset="0"/>
-              </a:rPr>
-              <a:t>)</a:t>
+              <a:t>(x)</a:t>
             </a:r>
             <a:endParaRPr lang="en-IN" sz="2000" dirty="0">
               <a:solidFill>
@@ -32573,63 +32546,45 @@
                 </a:solidFill>
                 <a:latin typeface="Consolas" panose="020B0609020204030204" pitchFamily="49" charset="0"/>
               </a:rPr>
-              <a:t>a</a:t>
+              <a:t>a, b, c </a:t>
+            </a:r>
+            <a:r>
+              <a:rPr lang="en-IN" sz="2000" dirty="0">
+                <a:solidFill>
+                  <a:srgbClr val="D3AF86"/>
+                </a:solidFill>
+                <a:latin typeface="Consolas" panose="020B0609020204030204" pitchFamily="49" charset="0"/>
+              </a:rPr>
+              <a:t>= fn()</a:t>
+            </a:r>
+          </a:p>
+          <a:p>
+            <a:r>
+              <a:rPr lang="es-ES" sz="2000" dirty="0">
+                <a:solidFill>
+                  <a:srgbClr val="D3AF86"/>
+                </a:solidFill>
+                <a:latin typeface="Consolas" panose="020B0609020204030204" pitchFamily="49" charset="0"/>
+              </a:rPr>
+              <a:t>&gt;&gt;&gt; </a:t>
             </a:r>
             <a:r>
               <a:rPr lang="en-IN" sz="2000" dirty="0" smtClean="0">
                 <a:solidFill>
-                  <a:srgbClr val="D3AF86"/>
-                </a:solidFill>
-                <a:latin typeface="Consolas" panose="020B0609020204030204" pitchFamily="49" charset="0"/>
-              </a:rPr>
-              <a:t>, b, c </a:t>
-            </a:r>
-            <a:r>
-              <a:rPr lang="en-IN" sz="2000" dirty="0">
-                <a:solidFill>
-                  <a:srgbClr val="D3AF86"/>
-                </a:solidFill>
-                <a:latin typeface="Consolas" panose="020B0609020204030204" pitchFamily="49" charset="0"/>
-              </a:rPr>
-              <a:t>= fn()</a:t>
-            </a:r>
-          </a:p>
-          <a:p>
-            <a:r>
-              <a:rPr lang="es-ES" sz="2000" dirty="0">
-                <a:solidFill>
-                  <a:srgbClr val="D3AF86"/>
-                </a:solidFill>
-                <a:latin typeface="Consolas" panose="020B0609020204030204" pitchFamily="49" charset="0"/>
-              </a:rPr>
-              <a:t>&gt;&gt;&gt; </a:t>
+                  <a:srgbClr val="7E602C"/>
+                </a:solidFill>
+                <a:latin typeface="Consolas" panose="020B0609020204030204" pitchFamily="49" charset="0"/>
+              </a:rPr>
+              <a:t>print</a:t>
             </a:r>
             <a:r>
               <a:rPr lang="en-IN" sz="2000" dirty="0" smtClean="0">
                 <a:solidFill>
-                  <a:srgbClr val="7E602C"/>
-                </a:solidFill>
-                <a:latin typeface="Consolas" panose="020B0609020204030204" pitchFamily="49" charset="0"/>
-              </a:rPr>
-              <a:t>print</a:t>
-            </a:r>
-            <a:r>
-              <a:rPr lang="en-IN" sz="2000" dirty="0" smtClean="0">
-                <a:solidFill>
-                  <a:srgbClr val="D3AF86"/>
-                </a:solidFill>
-                <a:latin typeface="Consolas" panose="020B0609020204030204" pitchFamily="49" charset="0"/>
-              </a:rPr>
-              <a:t>(a</a:t>
-            </a:r>
-            <a:r>
-              <a:rPr lang="en-IN" sz="2000" dirty="0" smtClean="0">
-                <a:solidFill>
-                  <a:srgbClr val="D3AF86"/>
-                </a:solidFill>
-                <a:latin typeface="Consolas" panose="020B0609020204030204" pitchFamily="49" charset="0"/>
-              </a:rPr>
-              <a:t>, b, c</a:t>
+                  <a:srgbClr val="D3AF86"/>
+                </a:solidFill>
+                <a:latin typeface="Consolas" panose="020B0609020204030204" pitchFamily="49" charset="0"/>
+              </a:rPr>
+              <a:t>(a, b, c</a:t>
             </a:r>
             <a:r>
               <a:rPr lang="en-IN" sz="2000" dirty="0">
@@ -35663,7 +35618,7 @@
         <p:spPr>
           <a:xfrm>
             <a:off x="228600" y="2630031"/>
-            <a:ext cx="8686800" cy="2246769"/>
+            <a:ext cx="8686800" cy="1631216"/>
           </a:xfrm>
           <a:prstGeom prst="rect">
             <a:avLst/>
@@ -35770,30 +35725,22 @@
           </a:p>
           <a:p>
             <a:r>
-              <a:rPr lang="en-IN" sz="2000" dirty="0">
-                <a:solidFill>
-                  <a:srgbClr val="D3AF86"/>
-                </a:solidFill>
-                <a:latin typeface="Consolas" panose="020B0609020204030204" pitchFamily="49" charset="0"/>
-              </a:rPr>
-              <a:t/>
-            </a:r>
-            <a:br>
-              <a:rPr lang="en-IN" sz="2000" dirty="0">
-                <a:solidFill>
-                  <a:srgbClr val="D3AF86"/>
-                </a:solidFill>
-                <a:latin typeface="Consolas" panose="020B0609020204030204" pitchFamily="49" charset="0"/>
-              </a:rPr>
-            </a:br>
-            <a:r>
-              <a:rPr lang="en-IN" sz="2000" dirty="0">
-                <a:solidFill>
-                  <a:srgbClr val="D3AF86"/>
-                </a:solidFill>
-                <a:latin typeface="Consolas" panose="020B0609020204030204" pitchFamily="49" charset="0"/>
-              </a:rPr>
-              <a:t>fullName = </a:t>
+              <a:rPr lang="en-IN" sz="2000" dirty="0" smtClean="0">
+                <a:solidFill>
+                  <a:srgbClr val="D3AF86"/>
+                </a:solidFill>
+                <a:latin typeface="Consolas" panose="020B0609020204030204" pitchFamily="49" charset="0"/>
+              </a:rPr>
+              <a:t>fullName </a:t>
+            </a:r>
+            <a:r>
+              <a:rPr lang="en-IN" sz="2000" dirty="0">
+                <a:solidFill>
+                  <a:srgbClr val="D3AF86"/>
+                </a:solidFill>
+                <a:latin typeface="Consolas" panose="020B0609020204030204" pitchFamily="49" charset="0"/>
+              </a:rPr>
+              <a:t>= </a:t>
             </a:r>
             <a:r>
               <a:rPr lang="en-IN" sz="2000" dirty="0">
@@ -35834,30 +35781,22 @@
           </a:p>
           <a:p>
             <a:r>
-              <a:rPr lang="en-IN" sz="2000" dirty="0">
-                <a:solidFill>
-                  <a:srgbClr val="D3AF86"/>
-                </a:solidFill>
-                <a:latin typeface="Consolas" panose="020B0609020204030204" pitchFamily="49" charset="0"/>
-              </a:rPr>
-              <a:t/>
-            </a:r>
-            <a:br>
-              <a:rPr lang="en-IN" sz="2000" dirty="0">
-                <a:solidFill>
-                  <a:srgbClr val="D3AF86"/>
-                </a:solidFill>
-                <a:latin typeface="Consolas" panose="020B0609020204030204" pitchFamily="49" charset="0"/>
-              </a:rPr>
-            </a:br>
-            <a:r>
-              <a:rPr lang="en-IN" sz="2000" dirty="0">
-                <a:solidFill>
-                  <a:srgbClr val="D3AF86"/>
-                </a:solidFill>
-                <a:latin typeface="Consolas" panose="020B0609020204030204" pitchFamily="49" charset="0"/>
-              </a:rPr>
-              <a:t>fName = fullName(</a:t>
+              <a:rPr lang="en-IN" sz="2000" dirty="0" smtClean="0">
+                <a:solidFill>
+                  <a:srgbClr val="D3AF86"/>
+                </a:solidFill>
+                <a:latin typeface="Consolas" panose="020B0609020204030204" pitchFamily="49" charset="0"/>
+              </a:rPr>
+              <a:t>fName </a:t>
+            </a:r>
+            <a:r>
+              <a:rPr lang="en-IN" sz="2000" dirty="0">
+                <a:solidFill>
+                  <a:srgbClr val="D3AF86"/>
+                </a:solidFill>
+                <a:latin typeface="Consolas" panose="020B0609020204030204" pitchFamily="49" charset="0"/>
+              </a:rPr>
+              <a:t>= fullName(</a:t>
             </a:r>
             <a:r>
               <a:rPr lang="en-IN" sz="2000" dirty="0">
@@ -35914,6 +35853,174 @@
                 <a:latin typeface="Consolas" panose="020B0609020204030204" pitchFamily="49" charset="0"/>
               </a:rPr>
               <a:t>(fName)</a:t>
+            </a:r>
+            <a:endParaRPr lang="en-IN" sz="2000" b="0" dirty="0">
+              <a:solidFill>
+                <a:srgbClr val="D3AF86"/>
+              </a:solidFill>
+              <a:effectLst/>
+              <a:latin typeface="Consolas" panose="020B0609020204030204" pitchFamily="49" charset="0"/>
+            </a:endParaRPr>
+          </a:p>
+        </p:txBody>
+      </p:sp>
+      <p:sp>
+        <p:nvSpPr>
+          <p:cNvPr id="2" name="Rectangle 1"/>
+          <p:cNvSpPr/>
+          <p:nvPr/>
+        </p:nvSpPr>
+        <p:spPr>
+          <a:xfrm>
+            <a:off x="228600" y="4945082"/>
+            <a:ext cx="8686800" cy="769441"/>
+          </a:xfrm>
+          <a:prstGeom prst="rect">
+            <a:avLst/>
+          </a:prstGeom>
+        </p:spPr>
+        <p:txBody>
+          <a:bodyPr wrap="square">
+            <a:spAutoFit/>
+          </a:bodyPr>
+          <a:lstStyle/>
+          <a:p>
+            <a:r>
+              <a:rPr lang="en-IN" sz="2400" i="1" dirty="0">
+                <a:solidFill>
+                  <a:srgbClr val="FF0000"/>
+                </a:solidFill>
+                <a:latin typeface="Consolas" panose="020B0609020204030204" pitchFamily="49" charset="0"/>
+              </a:rPr>
+              <a:t>ternary operator</a:t>
+            </a:r>
+          </a:p>
+          <a:p>
+            <a:r>
+              <a:rPr lang="en-IN" sz="2000" dirty="0" smtClean="0">
+                <a:solidFill>
+                  <a:srgbClr val="D3AF86"/>
+                </a:solidFill>
+                <a:latin typeface="Consolas" panose="020B0609020204030204" pitchFamily="49" charset="0"/>
+              </a:rPr>
+              <a:t>fn </a:t>
+            </a:r>
+            <a:r>
+              <a:rPr lang="en-IN" sz="2000" dirty="0">
+                <a:solidFill>
+                  <a:srgbClr val="D3AF86"/>
+                </a:solidFill>
+                <a:latin typeface="Consolas" panose="020B0609020204030204" pitchFamily="49" charset="0"/>
+              </a:rPr>
+              <a:t>= </a:t>
+            </a:r>
+            <a:r>
+              <a:rPr lang="en-IN" sz="2000" dirty="0">
+                <a:solidFill>
+                  <a:srgbClr val="98676A"/>
+                </a:solidFill>
+                <a:latin typeface="Consolas" panose="020B0609020204030204" pitchFamily="49" charset="0"/>
+              </a:rPr>
+              <a:t>lambda</a:t>
+            </a:r>
+            <a:r>
+              <a:rPr lang="en-IN" sz="2000" dirty="0">
+                <a:solidFill>
+                  <a:srgbClr val="D3AF86"/>
+                </a:solidFill>
+                <a:latin typeface="Consolas" panose="020B0609020204030204" pitchFamily="49" charset="0"/>
+              </a:rPr>
+              <a:t> x: '</a:t>
+            </a:r>
+            <a:r>
+              <a:rPr lang="en-IN" sz="2000" dirty="0">
+                <a:solidFill>
+                  <a:srgbClr val="889B4A"/>
+                </a:solidFill>
+                <a:latin typeface="Consolas" panose="020B0609020204030204" pitchFamily="49" charset="0"/>
+              </a:rPr>
+              <a:t>big</a:t>
+            </a:r>
+            <a:r>
+              <a:rPr lang="en-IN" sz="2000" dirty="0">
+                <a:solidFill>
+                  <a:srgbClr val="D3AF86"/>
+                </a:solidFill>
+                <a:latin typeface="Consolas" panose="020B0609020204030204" pitchFamily="49" charset="0"/>
+              </a:rPr>
+              <a:t>' </a:t>
+            </a:r>
+            <a:r>
+              <a:rPr lang="en-IN" sz="2000" dirty="0">
+                <a:solidFill>
+                  <a:srgbClr val="98676A"/>
+                </a:solidFill>
+                <a:latin typeface="Consolas" panose="020B0609020204030204" pitchFamily="49" charset="0"/>
+              </a:rPr>
+              <a:t>if</a:t>
+            </a:r>
+            <a:r>
+              <a:rPr lang="en-IN" sz="2000" dirty="0">
+                <a:solidFill>
+                  <a:srgbClr val="D3AF86"/>
+                </a:solidFill>
+                <a:latin typeface="Consolas" panose="020B0609020204030204" pitchFamily="49" charset="0"/>
+              </a:rPr>
+              <a:t> x &gt; </a:t>
+            </a:r>
+            <a:r>
+              <a:rPr lang="en-IN" sz="2000" dirty="0">
+                <a:solidFill>
+                  <a:srgbClr val="F79A32"/>
+                </a:solidFill>
+                <a:latin typeface="Consolas" panose="020B0609020204030204" pitchFamily="49" charset="0"/>
+              </a:rPr>
+              <a:t>100</a:t>
+            </a:r>
+            <a:r>
+              <a:rPr lang="en-IN" sz="2000" dirty="0">
+                <a:solidFill>
+                  <a:srgbClr val="D3AF86"/>
+                </a:solidFill>
+                <a:latin typeface="Consolas" panose="020B0609020204030204" pitchFamily="49" charset="0"/>
+              </a:rPr>
+              <a:t> </a:t>
+            </a:r>
+            <a:r>
+              <a:rPr lang="en-IN" sz="2000" dirty="0">
+                <a:solidFill>
+                  <a:srgbClr val="98676A"/>
+                </a:solidFill>
+                <a:latin typeface="Consolas" panose="020B0609020204030204" pitchFamily="49" charset="0"/>
+              </a:rPr>
+              <a:t>else</a:t>
+            </a:r>
+            <a:r>
+              <a:rPr lang="en-IN" sz="2000" dirty="0">
+                <a:solidFill>
+                  <a:srgbClr val="D3AF86"/>
+                </a:solidFill>
+                <a:latin typeface="Consolas" panose="020B0609020204030204" pitchFamily="49" charset="0"/>
+              </a:rPr>
+              <a:t> '</a:t>
+            </a:r>
+            <a:r>
+              <a:rPr lang="en-IN" sz="2000" dirty="0">
+                <a:solidFill>
+                  <a:srgbClr val="889B4A"/>
+                </a:solidFill>
+                <a:latin typeface="Consolas" panose="020B0609020204030204" pitchFamily="49" charset="0"/>
+              </a:rPr>
+              <a:t>small</a:t>
+            </a:r>
+            <a:r>
+              <a:rPr lang="en-IN" sz="2000" dirty="0">
+                <a:solidFill>
+                  <a:srgbClr val="D3AF86"/>
+                </a:solidFill>
+                <a:latin typeface="Consolas" panose="020B0609020204030204" pitchFamily="49" charset="0"/>
+              </a:rPr>
+              <a:t>'</a:t>
             </a:r>
             <a:endParaRPr lang="en-IN" sz="2000" b="0" dirty="0">
               <a:solidFill>
@@ -38849,413 +38956,6 @@
       </p:sp>
       <p:sp>
         <p:nvSpPr>
-          <p:cNvPr id="5" name="Rectangle 4"/>
-          <p:cNvSpPr/>
-          <p:nvPr/>
-        </p:nvSpPr>
-        <p:spPr>
-          <a:xfrm>
-            <a:off x="236034" y="3048000"/>
-            <a:ext cx="7993566" cy="2862322"/>
-          </a:xfrm>
-          <a:prstGeom prst="rect">
-            <a:avLst/>
-          </a:prstGeom>
-        </p:spPr>
-        <p:txBody>
-          <a:bodyPr wrap="square">
-            <a:spAutoFit/>
-          </a:bodyPr>
-          <a:lstStyle/>
-          <a:p>
-            <a:r>
-              <a:rPr lang="en-IN" sz="2000" dirty="0">
-                <a:solidFill>
-                  <a:srgbClr val="98676A"/>
-                </a:solidFill>
-                <a:latin typeface="Consolas" panose="020B0609020204030204" pitchFamily="49" charset="0"/>
-              </a:rPr>
-              <a:t>class</a:t>
-            </a:r>
-            <a:r>
-              <a:rPr lang="en-IN" sz="2000" dirty="0">
-                <a:solidFill>
-                  <a:srgbClr val="D3AF86"/>
-                </a:solidFill>
-                <a:latin typeface="Consolas" panose="020B0609020204030204" pitchFamily="49" charset="0"/>
-              </a:rPr>
-              <a:t> </a:t>
-            </a:r>
-            <a:r>
-              <a:rPr lang="en-IN" sz="2000" dirty="0">
-                <a:solidFill>
-                  <a:srgbClr val="F06431"/>
-                </a:solidFill>
-                <a:latin typeface="Consolas" panose="020B0609020204030204" pitchFamily="49" charset="0"/>
-              </a:rPr>
-              <a:t>student</a:t>
-            </a:r>
-            <a:r>
-              <a:rPr lang="en-IN" sz="2000" dirty="0">
-                <a:solidFill>
-                  <a:srgbClr val="D3AF86"/>
-                </a:solidFill>
-                <a:latin typeface="Consolas" panose="020B0609020204030204" pitchFamily="49" charset="0"/>
-              </a:rPr>
-              <a:t> :</a:t>
-            </a:r>
-          </a:p>
-          <a:p>
-            <a:r>
-              <a:rPr lang="en-IN" sz="2000" dirty="0" smtClean="0">
-                <a:solidFill>
-                  <a:srgbClr val="D3AF86"/>
-                </a:solidFill>
-                <a:latin typeface="Consolas" panose="020B0609020204030204" pitchFamily="49" charset="0"/>
-              </a:rPr>
-              <a:t>    firstName = </a:t>
-            </a:r>
-            <a:r>
-              <a:rPr lang="en-IN" sz="2000" dirty="0" smtClean="0">
-                <a:solidFill>
-                  <a:srgbClr val="F79A32"/>
-                </a:solidFill>
-                <a:latin typeface="Consolas" panose="020B0609020204030204" pitchFamily="49" charset="0"/>
-              </a:rPr>
-              <a:t>None</a:t>
-            </a:r>
-            <a:endParaRPr lang="en-IN" sz="2000" dirty="0">
-              <a:solidFill>
-                <a:srgbClr val="D3AF86"/>
-              </a:solidFill>
-              <a:latin typeface="Consolas" panose="020B0609020204030204" pitchFamily="49" charset="0"/>
-            </a:endParaRPr>
-          </a:p>
-          <a:p>
-            <a:r>
-              <a:rPr lang="en-IN" sz="2000" dirty="0" smtClean="0">
-                <a:solidFill>
-                  <a:srgbClr val="D3AF86"/>
-                </a:solidFill>
-                <a:latin typeface="Consolas" panose="020B0609020204030204" pitchFamily="49" charset="0"/>
-              </a:rPr>
-              <a:t>    lastName = </a:t>
-            </a:r>
-            <a:r>
-              <a:rPr lang="en-IN" sz="2000" dirty="0" smtClean="0">
-                <a:solidFill>
-                  <a:srgbClr val="F79A32"/>
-                </a:solidFill>
-                <a:latin typeface="Consolas" panose="020B0609020204030204" pitchFamily="49" charset="0"/>
-              </a:rPr>
-              <a:t>None</a:t>
-            </a:r>
-            <a:endParaRPr lang="en-IN" sz="2000" dirty="0">
-              <a:solidFill>
-                <a:srgbClr val="D3AF86"/>
-              </a:solidFill>
-              <a:latin typeface="Consolas" panose="020B0609020204030204" pitchFamily="49" charset="0"/>
-            </a:endParaRPr>
-          </a:p>
-          <a:p>
-            <a:r>
-              <a:rPr lang="en-IN" sz="2000" dirty="0" smtClean="0">
-                <a:solidFill>
-                  <a:srgbClr val="98676A"/>
-                </a:solidFill>
-                <a:latin typeface="Consolas" panose="020B0609020204030204" pitchFamily="49" charset="0"/>
-              </a:rPr>
-              <a:t>    def</a:t>
-            </a:r>
-            <a:r>
-              <a:rPr lang="en-IN" sz="2000" dirty="0" smtClean="0">
-                <a:solidFill>
-                  <a:srgbClr val="D3AF86"/>
-                </a:solidFill>
-                <a:latin typeface="Consolas" panose="020B0609020204030204" pitchFamily="49" charset="0"/>
-              </a:rPr>
-              <a:t> </a:t>
-            </a:r>
-            <a:r>
-              <a:rPr lang="en-IN" sz="2000" dirty="0">
-                <a:solidFill>
-                  <a:srgbClr val="7E602C"/>
-                </a:solidFill>
-                <a:latin typeface="Consolas" panose="020B0609020204030204" pitchFamily="49" charset="0"/>
-              </a:rPr>
-              <a:t>__init__</a:t>
-            </a:r>
-            <a:r>
-              <a:rPr lang="en-IN" sz="2000" dirty="0">
-                <a:solidFill>
-                  <a:srgbClr val="D3AF86"/>
-                </a:solidFill>
-                <a:latin typeface="Consolas" panose="020B0609020204030204" pitchFamily="49" charset="0"/>
-              </a:rPr>
-              <a:t>(</a:t>
-            </a:r>
-            <a:r>
-              <a:rPr lang="en-IN" sz="2000" i="1" dirty="0">
-                <a:solidFill>
-                  <a:srgbClr val="D3AF86"/>
-                </a:solidFill>
-                <a:latin typeface="Consolas" panose="020B0609020204030204" pitchFamily="49" charset="0"/>
-              </a:rPr>
-              <a:t>self</a:t>
-            </a:r>
-            <a:r>
-              <a:rPr lang="en-IN" sz="2000" dirty="0" smtClean="0">
-                <a:solidFill>
-                  <a:srgbClr val="D3AF86"/>
-                </a:solidFill>
-                <a:latin typeface="Consolas" panose="020B0609020204030204" pitchFamily="49" charset="0"/>
-              </a:rPr>
-              <a:t>, firstName</a:t>
-            </a:r>
-            <a:r>
-              <a:rPr lang="en-IN" sz="2000" dirty="0">
-                <a:solidFill>
-                  <a:srgbClr val="D3AF86"/>
-                </a:solidFill>
-                <a:latin typeface="Consolas" panose="020B0609020204030204" pitchFamily="49" charset="0"/>
-              </a:rPr>
-              <a:t>, lastName) :</a:t>
-            </a:r>
-          </a:p>
-          <a:p>
-            <a:r>
-              <a:rPr lang="en-IN" sz="2000" dirty="0" smtClean="0">
-                <a:solidFill>
-                  <a:srgbClr val="DC3958"/>
-                </a:solidFill>
-                <a:latin typeface="Consolas" panose="020B0609020204030204" pitchFamily="49" charset="0"/>
-              </a:rPr>
-              <a:t>        </a:t>
-            </a:r>
-            <a:r>
-              <a:rPr lang="en-IN" sz="2000" i="1" dirty="0" smtClean="0">
-                <a:solidFill>
-                  <a:srgbClr val="DC3958"/>
-                </a:solidFill>
-                <a:latin typeface="Consolas" panose="020B0609020204030204" pitchFamily="49" charset="0"/>
-              </a:rPr>
-              <a:t>self</a:t>
-            </a:r>
-            <a:r>
-              <a:rPr lang="en-IN" sz="2000" dirty="0" smtClean="0">
-                <a:solidFill>
-                  <a:srgbClr val="D3AF86"/>
-                </a:solidFill>
-                <a:latin typeface="Consolas" panose="020B0609020204030204" pitchFamily="49" charset="0"/>
-              </a:rPr>
-              <a:t>.firstName </a:t>
-            </a:r>
-            <a:r>
-              <a:rPr lang="en-IN" sz="2000" dirty="0">
-                <a:solidFill>
-                  <a:srgbClr val="D3AF86"/>
-                </a:solidFill>
-                <a:latin typeface="Consolas" panose="020B0609020204030204" pitchFamily="49" charset="0"/>
-              </a:rPr>
-              <a:t>= firstName</a:t>
-            </a:r>
-          </a:p>
-          <a:p>
-            <a:r>
-              <a:rPr lang="en-IN" sz="2000" dirty="0" smtClean="0">
-                <a:solidFill>
-                  <a:srgbClr val="DC3958"/>
-                </a:solidFill>
-                <a:latin typeface="Consolas" panose="020B0609020204030204" pitchFamily="49" charset="0"/>
-              </a:rPr>
-              <a:t>        </a:t>
-            </a:r>
-            <a:r>
-              <a:rPr lang="en-IN" sz="2000" i="1" dirty="0" smtClean="0">
-                <a:solidFill>
-                  <a:srgbClr val="DC3958"/>
-                </a:solidFill>
-                <a:latin typeface="Consolas" panose="020B0609020204030204" pitchFamily="49" charset="0"/>
-              </a:rPr>
-              <a:t>self</a:t>
-            </a:r>
-            <a:r>
-              <a:rPr lang="en-IN" sz="2000" dirty="0" smtClean="0">
-                <a:solidFill>
-                  <a:srgbClr val="D3AF86"/>
-                </a:solidFill>
-                <a:latin typeface="Consolas" panose="020B0609020204030204" pitchFamily="49" charset="0"/>
-              </a:rPr>
-              <a:t>.lastName </a:t>
-            </a:r>
-            <a:r>
-              <a:rPr lang="en-IN" sz="2000" dirty="0">
-                <a:solidFill>
-                  <a:srgbClr val="D3AF86"/>
-                </a:solidFill>
-                <a:latin typeface="Consolas" panose="020B0609020204030204" pitchFamily="49" charset="0"/>
-              </a:rPr>
-              <a:t>= lastName</a:t>
-            </a:r>
-          </a:p>
-          <a:p>
-            <a:r>
-              <a:rPr lang="en-IN" sz="2000" dirty="0">
-                <a:solidFill>
-                  <a:srgbClr val="D3AF86"/>
-                </a:solidFill>
-                <a:latin typeface="Consolas" panose="020B0609020204030204" pitchFamily="49" charset="0"/>
-              </a:rPr>
-              <a:t/>
-            </a:r>
-            <a:br>
-              <a:rPr lang="en-IN" sz="2000" dirty="0">
-                <a:solidFill>
-                  <a:srgbClr val="D3AF86"/>
-                </a:solidFill>
-                <a:latin typeface="Consolas" panose="020B0609020204030204" pitchFamily="49" charset="0"/>
-              </a:rPr>
-            </a:br>
-            <a:r>
-              <a:rPr lang="en-IN" sz="2000" dirty="0" smtClean="0">
-                <a:solidFill>
-                  <a:srgbClr val="D3AF86"/>
-                </a:solidFill>
-                <a:latin typeface="Consolas" panose="020B0609020204030204" pitchFamily="49" charset="0"/>
-              </a:rPr>
-              <a:t>    </a:t>
-            </a:r>
-            <a:r>
-              <a:rPr lang="en-IN" sz="2000" dirty="0" smtClean="0">
-                <a:solidFill>
-                  <a:srgbClr val="98676A"/>
-                </a:solidFill>
-                <a:latin typeface="Consolas" panose="020B0609020204030204" pitchFamily="49" charset="0"/>
-              </a:rPr>
-              <a:t>def</a:t>
-            </a:r>
-            <a:r>
-              <a:rPr lang="en-IN" sz="2000" dirty="0" smtClean="0">
-                <a:solidFill>
-                  <a:srgbClr val="D3AF86"/>
-                </a:solidFill>
-                <a:latin typeface="Consolas" panose="020B0609020204030204" pitchFamily="49" charset="0"/>
-              </a:rPr>
-              <a:t> </a:t>
-            </a:r>
-            <a:r>
-              <a:rPr lang="en-IN" sz="2000" dirty="0">
-                <a:solidFill>
-                  <a:srgbClr val="8AB1B0"/>
-                </a:solidFill>
-                <a:latin typeface="Consolas" panose="020B0609020204030204" pitchFamily="49" charset="0"/>
-              </a:rPr>
-              <a:t>displayStudent</a:t>
-            </a:r>
-            <a:r>
-              <a:rPr lang="en-IN" sz="2000" dirty="0">
-                <a:solidFill>
-                  <a:srgbClr val="D3AF86"/>
-                </a:solidFill>
-                <a:latin typeface="Consolas" panose="020B0609020204030204" pitchFamily="49" charset="0"/>
-              </a:rPr>
-              <a:t>(</a:t>
-            </a:r>
-            <a:r>
-              <a:rPr lang="en-IN" sz="2000" i="1" dirty="0">
-                <a:solidFill>
-                  <a:srgbClr val="D3AF86"/>
-                </a:solidFill>
-                <a:latin typeface="Consolas" panose="020B0609020204030204" pitchFamily="49" charset="0"/>
-              </a:rPr>
-              <a:t>self</a:t>
-            </a:r>
-            <a:r>
-              <a:rPr lang="en-IN" sz="2000" dirty="0">
-                <a:solidFill>
-                  <a:srgbClr val="D3AF86"/>
-                </a:solidFill>
-                <a:latin typeface="Consolas" panose="020B0609020204030204" pitchFamily="49" charset="0"/>
-              </a:rPr>
-              <a:t>) :</a:t>
-            </a:r>
-          </a:p>
-          <a:p>
-            <a:r>
-              <a:rPr lang="en-IN" sz="2000" dirty="0" smtClean="0">
-                <a:solidFill>
-                  <a:srgbClr val="7E602C"/>
-                </a:solidFill>
-                <a:latin typeface="Consolas" panose="020B0609020204030204" pitchFamily="49" charset="0"/>
-              </a:rPr>
-              <a:t>        print</a:t>
-            </a:r>
-            <a:r>
-              <a:rPr lang="en-IN" sz="2000" dirty="0" smtClean="0">
-                <a:solidFill>
-                  <a:srgbClr val="D3AF86"/>
-                </a:solidFill>
-                <a:latin typeface="Consolas" panose="020B0609020204030204" pitchFamily="49" charset="0"/>
-              </a:rPr>
-              <a:t> </a:t>
-            </a:r>
-            <a:r>
-              <a:rPr lang="en-IN" sz="2000" dirty="0">
-                <a:solidFill>
-                  <a:srgbClr val="D3AF86"/>
-                </a:solidFill>
-                <a:latin typeface="Consolas" panose="020B0609020204030204" pitchFamily="49" charset="0"/>
-              </a:rPr>
-              <a:t>(</a:t>
-            </a:r>
-            <a:r>
-              <a:rPr lang="en-IN" sz="2000" i="1" dirty="0">
-                <a:solidFill>
-                  <a:srgbClr val="DC3958"/>
-                </a:solidFill>
-                <a:latin typeface="Consolas" panose="020B0609020204030204" pitchFamily="49" charset="0"/>
-              </a:rPr>
-              <a:t>self</a:t>
-            </a:r>
-            <a:r>
-              <a:rPr lang="en-IN" sz="2000" dirty="0">
-                <a:solidFill>
-                  <a:srgbClr val="D3AF86"/>
-                </a:solidFill>
-                <a:latin typeface="Consolas" panose="020B0609020204030204" pitchFamily="49" charset="0"/>
-              </a:rPr>
-              <a:t>.firstName, </a:t>
-            </a:r>
-            <a:r>
-              <a:rPr lang="en-IN" sz="2000" i="1" dirty="0">
-                <a:solidFill>
-                  <a:srgbClr val="DC3958"/>
-                </a:solidFill>
-                <a:latin typeface="Consolas" panose="020B0609020204030204" pitchFamily="49" charset="0"/>
-              </a:rPr>
-              <a:t>self</a:t>
-            </a:r>
-            <a:r>
-              <a:rPr lang="en-IN" sz="2000" dirty="0">
-                <a:solidFill>
-                  <a:srgbClr val="D3AF86"/>
-                </a:solidFill>
-                <a:latin typeface="Consolas" panose="020B0609020204030204" pitchFamily="49" charset="0"/>
-              </a:rPr>
-              <a:t>.lastName)</a:t>
-            </a:r>
-            <a:endParaRPr lang="en-IN" sz="2000" b="0" dirty="0">
-              <a:solidFill>
-                <a:srgbClr val="D3AF86"/>
-              </a:solidFill>
-              <a:effectLst/>
-              <a:latin typeface="Consolas" panose="020B0609020204030204" pitchFamily="49" charset="0"/>
-            </a:endParaRPr>
-          </a:p>
-        </p:txBody>
-      </p:sp>
-      <p:sp>
-        <p:nvSpPr>
           <p:cNvPr id="7" name="Rectangle 6"/>
           <p:cNvSpPr/>
           <p:nvPr/>
@@ -39282,6 +38982,460 @@
             <a:endParaRPr lang="en-IN" dirty="0">
               <a:latin typeface="Arial" panose="020B0604020202020204" pitchFamily="34" charset="0"/>
               <a:cs typeface="Arial" panose="020B0604020202020204" pitchFamily="34" charset="0"/>
+            </a:endParaRPr>
+          </a:p>
+        </p:txBody>
+      </p:sp>
+      <p:sp>
+        <p:nvSpPr>
+          <p:cNvPr id="4" name="Rectangle 3"/>
+          <p:cNvSpPr/>
+          <p:nvPr/>
+        </p:nvSpPr>
+        <p:spPr>
+          <a:xfrm>
+            <a:off x="228600" y="2819400"/>
+            <a:ext cx="8686800" cy="1631216"/>
+          </a:xfrm>
+          <a:prstGeom prst="rect">
+            <a:avLst/>
+          </a:prstGeom>
+        </p:spPr>
+        <p:txBody>
+          <a:bodyPr wrap="square">
+            <a:spAutoFit/>
+          </a:bodyPr>
+          <a:lstStyle/>
+          <a:p>
+            <a:r>
+              <a:rPr lang="en-IN" sz="2000" dirty="0">
+                <a:solidFill>
+                  <a:srgbClr val="98676A"/>
+                </a:solidFill>
+                <a:latin typeface="Consolas" panose="020B0609020204030204" pitchFamily="49" charset="0"/>
+              </a:rPr>
+              <a:t>class</a:t>
+            </a:r>
+            <a:r>
+              <a:rPr lang="en-IN" sz="2000" dirty="0">
+                <a:solidFill>
+                  <a:srgbClr val="D3AF86"/>
+                </a:solidFill>
+                <a:latin typeface="Consolas" panose="020B0609020204030204" pitchFamily="49" charset="0"/>
+              </a:rPr>
+              <a:t> </a:t>
+            </a:r>
+            <a:r>
+              <a:rPr lang="en-IN" sz="2000" dirty="0">
+                <a:solidFill>
+                  <a:srgbClr val="F06431"/>
+                </a:solidFill>
+                <a:latin typeface="Consolas" panose="020B0609020204030204" pitchFamily="49" charset="0"/>
+              </a:rPr>
+              <a:t>student</a:t>
+            </a:r>
+            <a:r>
+              <a:rPr lang="en-IN" sz="2000" dirty="0">
+                <a:solidFill>
+                  <a:srgbClr val="D3AF86"/>
+                </a:solidFill>
+                <a:latin typeface="Consolas" panose="020B0609020204030204" pitchFamily="49" charset="0"/>
+              </a:rPr>
+              <a:t> :</a:t>
+            </a:r>
+          </a:p>
+          <a:p>
+            <a:r>
+              <a:rPr lang="en-IN" sz="2000" dirty="0" smtClean="0">
+                <a:solidFill>
+                  <a:srgbClr val="98676A"/>
+                </a:solidFill>
+                <a:latin typeface="Consolas" panose="020B0609020204030204" pitchFamily="49" charset="0"/>
+              </a:rPr>
+              <a:t>    def</a:t>
+            </a:r>
+            <a:r>
+              <a:rPr lang="en-IN" sz="2000" dirty="0" smtClean="0">
+                <a:solidFill>
+                  <a:srgbClr val="D3AF86"/>
+                </a:solidFill>
+                <a:latin typeface="Consolas" panose="020B0609020204030204" pitchFamily="49" charset="0"/>
+              </a:rPr>
+              <a:t> </a:t>
+            </a:r>
+            <a:r>
+              <a:rPr lang="en-IN" sz="2000" dirty="0">
+                <a:solidFill>
+                  <a:srgbClr val="7E602C"/>
+                </a:solidFill>
+                <a:latin typeface="Consolas" panose="020B0609020204030204" pitchFamily="49" charset="0"/>
+              </a:rPr>
+              <a:t>__init__</a:t>
+            </a:r>
+            <a:r>
+              <a:rPr lang="en-IN" sz="2000" dirty="0">
+                <a:solidFill>
+                  <a:srgbClr val="D3AF86"/>
+                </a:solidFill>
+                <a:latin typeface="Consolas" panose="020B0609020204030204" pitchFamily="49" charset="0"/>
+              </a:rPr>
+              <a:t>(self) :</a:t>
+            </a:r>
+          </a:p>
+          <a:p>
+            <a:r>
+              <a:rPr lang="en-IN" sz="2000" dirty="0" smtClean="0">
+                <a:solidFill>
+                  <a:srgbClr val="98676A"/>
+                </a:solidFill>
+                <a:latin typeface="Consolas" panose="020B0609020204030204" pitchFamily="49" charset="0"/>
+              </a:rPr>
+              <a:t>        pass</a:t>
+            </a:r>
+            <a:endParaRPr lang="en-IN" sz="2000" dirty="0">
+              <a:solidFill>
+                <a:srgbClr val="D3AF86"/>
+              </a:solidFill>
+              <a:latin typeface="Consolas" panose="020B0609020204030204" pitchFamily="49" charset="0"/>
+            </a:endParaRPr>
+          </a:p>
+          <a:p>
+            <a:r>
+              <a:rPr lang="en-IN" sz="2000" dirty="0" smtClean="0">
+                <a:solidFill>
+                  <a:srgbClr val="D3AF86"/>
+                </a:solidFill>
+                <a:latin typeface="Consolas" panose="020B0609020204030204" pitchFamily="49" charset="0"/>
+              </a:rPr>
+              <a:t>    </a:t>
+            </a:r>
+            <a:r>
+              <a:rPr lang="en-IN" sz="2000" dirty="0" smtClean="0">
+                <a:solidFill>
+                  <a:srgbClr val="98676A"/>
+                </a:solidFill>
+                <a:latin typeface="Consolas" panose="020B0609020204030204" pitchFamily="49" charset="0"/>
+              </a:rPr>
+              <a:t>def</a:t>
+            </a:r>
+            <a:r>
+              <a:rPr lang="en-IN" sz="2000" dirty="0" smtClean="0">
+                <a:solidFill>
+                  <a:srgbClr val="D3AF86"/>
+                </a:solidFill>
+                <a:latin typeface="Consolas" panose="020B0609020204030204" pitchFamily="49" charset="0"/>
+              </a:rPr>
+              <a:t> </a:t>
+            </a:r>
+            <a:r>
+              <a:rPr lang="en-IN" sz="2000" dirty="0">
+                <a:solidFill>
+                  <a:srgbClr val="8AB1B0"/>
+                </a:solidFill>
+                <a:latin typeface="Consolas" panose="020B0609020204030204" pitchFamily="49" charset="0"/>
+              </a:rPr>
+              <a:t>fn</a:t>
+            </a:r>
+            <a:r>
+              <a:rPr lang="en-IN" sz="2000" dirty="0">
+                <a:solidFill>
+                  <a:srgbClr val="D3AF86"/>
+                </a:solidFill>
+                <a:latin typeface="Consolas" panose="020B0609020204030204" pitchFamily="49" charset="0"/>
+              </a:rPr>
+              <a:t>(self) :</a:t>
+            </a:r>
+          </a:p>
+          <a:p>
+            <a:r>
+              <a:rPr lang="en-IN" sz="2000" dirty="0" smtClean="0">
+                <a:solidFill>
+                  <a:srgbClr val="98676A"/>
+                </a:solidFill>
+                <a:latin typeface="Consolas" panose="020B0609020204030204" pitchFamily="49" charset="0"/>
+              </a:rPr>
+              <a:t>        pass</a:t>
+            </a:r>
+            <a:endParaRPr lang="en-IN" sz="2000" b="0" dirty="0">
+              <a:solidFill>
+                <a:srgbClr val="D3AF86"/>
+              </a:solidFill>
+              <a:effectLst/>
+              <a:latin typeface="Consolas" panose="020B0609020204030204" pitchFamily="49" charset="0"/>
+            </a:endParaRPr>
+          </a:p>
+        </p:txBody>
+      </p:sp>
+      <p:sp>
+        <p:nvSpPr>
+          <p:cNvPr id="8" name="Rectangle 7"/>
+          <p:cNvSpPr/>
+          <p:nvPr/>
+        </p:nvSpPr>
+        <p:spPr>
+          <a:xfrm>
+            <a:off x="228600" y="4469487"/>
+            <a:ext cx="8686800" cy="1938992"/>
+          </a:xfrm>
+          <a:prstGeom prst="rect">
+            <a:avLst/>
+          </a:prstGeom>
+        </p:spPr>
+        <p:txBody>
+          <a:bodyPr wrap="square">
+            <a:spAutoFit/>
+          </a:bodyPr>
+          <a:lstStyle/>
+          <a:p>
+            <a:r>
+              <a:rPr lang="en-IN" sz="2000" dirty="0">
+                <a:solidFill>
+                  <a:srgbClr val="98676A"/>
+                </a:solidFill>
+                <a:latin typeface="Consolas" panose="020B0609020204030204" pitchFamily="49" charset="0"/>
+              </a:rPr>
+              <a:t>class</a:t>
+            </a:r>
+            <a:r>
+              <a:rPr lang="en-IN" sz="2000" dirty="0">
+                <a:solidFill>
+                  <a:srgbClr val="D3AF86"/>
+                </a:solidFill>
+                <a:latin typeface="Consolas" panose="020B0609020204030204" pitchFamily="49" charset="0"/>
+              </a:rPr>
+              <a:t> </a:t>
+            </a:r>
+            <a:r>
+              <a:rPr lang="en-IN" sz="2000" dirty="0">
+                <a:solidFill>
+                  <a:srgbClr val="F06431"/>
+                </a:solidFill>
+                <a:latin typeface="Consolas" panose="020B0609020204030204" pitchFamily="49" charset="0"/>
+              </a:rPr>
+              <a:t>ClassA</a:t>
+            </a:r>
+            <a:r>
+              <a:rPr lang="en-IN" sz="2000" dirty="0">
+                <a:solidFill>
+                  <a:srgbClr val="D3AF86"/>
+                </a:solidFill>
+                <a:latin typeface="Consolas" panose="020B0609020204030204" pitchFamily="49" charset="0"/>
+              </a:rPr>
+              <a:t> :</a:t>
+            </a:r>
+          </a:p>
+          <a:p>
+            <a:r>
+              <a:rPr lang="en-IN" sz="2000" dirty="0" smtClean="0">
+                <a:solidFill>
+                  <a:srgbClr val="98676A"/>
+                </a:solidFill>
+                <a:latin typeface="Consolas" panose="020B0609020204030204" pitchFamily="49" charset="0"/>
+              </a:rPr>
+              <a:t>    def</a:t>
+            </a:r>
+            <a:r>
+              <a:rPr lang="en-IN" sz="2000" dirty="0" smtClean="0">
+                <a:solidFill>
+                  <a:srgbClr val="D3AF86"/>
+                </a:solidFill>
+                <a:latin typeface="Consolas" panose="020B0609020204030204" pitchFamily="49" charset="0"/>
+              </a:rPr>
+              <a:t> </a:t>
+            </a:r>
+            <a:r>
+              <a:rPr lang="en-IN" sz="2000" dirty="0">
+                <a:solidFill>
+                  <a:srgbClr val="7E602C"/>
+                </a:solidFill>
+                <a:latin typeface="Consolas" panose="020B0609020204030204" pitchFamily="49" charset="0"/>
+              </a:rPr>
+              <a:t>__init__</a:t>
+            </a:r>
+            <a:r>
+              <a:rPr lang="en-IN" sz="2000" dirty="0">
+                <a:solidFill>
+                  <a:srgbClr val="D3AF86"/>
+                </a:solidFill>
+                <a:latin typeface="Consolas" panose="020B0609020204030204" pitchFamily="49" charset="0"/>
+              </a:rPr>
+              <a:t>(self) :</a:t>
+            </a:r>
+          </a:p>
+          <a:p>
+            <a:r>
+              <a:rPr lang="en-IN" sz="2000" dirty="0" smtClean="0">
+                <a:solidFill>
+                  <a:srgbClr val="98676A"/>
+                </a:solidFill>
+                <a:latin typeface="Consolas" panose="020B0609020204030204" pitchFamily="49" charset="0"/>
+              </a:rPr>
+              <a:t>        pass</a:t>
+            </a:r>
+            <a:endParaRPr lang="en-IN" sz="2000" dirty="0">
+              <a:solidFill>
+                <a:srgbClr val="D3AF86"/>
+              </a:solidFill>
+              <a:latin typeface="Consolas" panose="020B0609020204030204" pitchFamily="49" charset="0"/>
+            </a:endParaRPr>
+          </a:p>
+          <a:p>
+            <a:r>
+              <a:rPr lang="en-IN" sz="2000" dirty="0" smtClean="0">
+                <a:solidFill>
+                  <a:srgbClr val="D3AF86"/>
+                </a:solidFill>
+                <a:latin typeface="Consolas" panose="020B0609020204030204" pitchFamily="49" charset="0"/>
+              </a:rPr>
+              <a:t>    fn1 </a:t>
+            </a:r>
+            <a:r>
+              <a:rPr lang="en-IN" sz="2000" dirty="0">
+                <a:solidFill>
+                  <a:srgbClr val="D3AF86"/>
+                </a:solidFill>
+                <a:latin typeface="Consolas" panose="020B0609020204030204" pitchFamily="49" charset="0"/>
+              </a:rPr>
+              <a:t>= </a:t>
+            </a:r>
+            <a:r>
+              <a:rPr lang="en-IN" sz="2000" dirty="0">
+                <a:solidFill>
+                  <a:srgbClr val="98676A"/>
+                </a:solidFill>
+                <a:latin typeface="Consolas" panose="020B0609020204030204" pitchFamily="49" charset="0"/>
+              </a:rPr>
+              <a:t>lambda</a:t>
+            </a:r>
+            <a:r>
+              <a:rPr lang="en-IN" sz="2000" dirty="0">
+                <a:solidFill>
+                  <a:srgbClr val="D3AF86"/>
+                </a:solidFill>
+                <a:latin typeface="Consolas" panose="020B0609020204030204" pitchFamily="49" charset="0"/>
+              </a:rPr>
+              <a:t> self : "</a:t>
+            </a:r>
+            <a:r>
+              <a:rPr lang="en-IN" sz="2000" dirty="0">
+                <a:solidFill>
+                  <a:srgbClr val="889B4A"/>
+                </a:solidFill>
+                <a:latin typeface="Consolas" panose="020B0609020204030204" pitchFamily="49" charset="0"/>
+              </a:rPr>
+              <a:t>Hello World...</a:t>
+            </a:r>
+            <a:r>
+              <a:rPr lang="en-IN" sz="2000" dirty="0">
+                <a:solidFill>
+                  <a:srgbClr val="D3AF86"/>
+                </a:solidFill>
+                <a:latin typeface="Consolas" panose="020B0609020204030204" pitchFamily="49" charset="0"/>
+              </a:rPr>
+              <a:t>"</a:t>
+            </a:r>
+          </a:p>
+          <a:p>
+            <a:r>
+              <a:rPr lang="en-IN" sz="2000" dirty="0" smtClean="0">
+                <a:solidFill>
+                  <a:srgbClr val="D3AF86"/>
+                </a:solidFill>
+                <a:latin typeface="Consolas" panose="020B0609020204030204" pitchFamily="49" charset="0"/>
+              </a:rPr>
+              <a:t>    fn2 </a:t>
+            </a:r>
+            <a:r>
+              <a:rPr lang="en-IN" sz="2000" dirty="0">
+                <a:solidFill>
+                  <a:srgbClr val="D3AF86"/>
+                </a:solidFill>
+                <a:latin typeface="Consolas" panose="020B0609020204030204" pitchFamily="49" charset="0"/>
+              </a:rPr>
+              <a:t>= </a:t>
+            </a:r>
+            <a:r>
+              <a:rPr lang="en-IN" sz="2000" dirty="0">
+                <a:solidFill>
+                  <a:srgbClr val="98676A"/>
+                </a:solidFill>
+                <a:latin typeface="Consolas" panose="020B0609020204030204" pitchFamily="49" charset="0"/>
+              </a:rPr>
+              <a:t>lambda</a:t>
+            </a:r>
+            <a:r>
+              <a:rPr lang="en-IN" sz="2000" dirty="0">
+                <a:solidFill>
+                  <a:srgbClr val="D3AF86"/>
+                </a:solidFill>
+                <a:latin typeface="Consolas" panose="020B0609020204030204" pitchFamily="49" charset="0"/>
+              </a:rPr>
+              <a:t> self, a, b : a + b</a:t>
+            </a:r>
+          </a:p>
+          <a:p>
+            <a:r>
+              <a:rPr lang="en-IN" sz="2000" dirty="0">
+                <a:solidFill>
+                  <a:srgbClr val="D3AF86"/>
+                </a:solidFill>
+                <a:latin typeface="Consolas" panose="020B0609020204030204" pitchFamily="49" charset="0"/>
+              </a:rPr>
+              <a:t>o = ClassA()</a:t>
+            </a:r>
+            <a:endParaRPr lang="en-IN" sz="2000" b="0" dirty="0">
+              <a:solidFill>
+                <a:srgbClr val="D3AF86"/>
+              </a:solidFill>
+              <a:effectLst/>
+              <a:latin typeface="Consolas" panose="020B0609020204030204" pitchFamily="49" charset="0"/>
+            </a:endParaRPr>
+          </a:p>
+        </p:txBody>
+      </p:sp>
+      <p:sp>
+        <p:nvSpPr>
+          <p:cNvPr id="9" name="Rectangle 8"/>
+          <p:cNvSpPr/>
+          <p:nvPr/>
+        </p:nvSpPr>
+        <p:spPr>
+          <a:xfrm>
+            <a:off x="4267200" y="4491258"/>
+            <a:ext cx="3852337" cy="400110"/>
+          </a:xfrm>
+          <a:prstGeom prst="rect">
+            <a:avLst/>
+          </a:prstGeom>
+          <a:solidFill>
+            <a:schemeClr val="tx2">
+              <a:lumMod val="50000"/>
+            </a:schemeClr>
+          </a:solidFill>
+        </p:spPr>
+        <p:txBody>
+          <a:bodyPr wrap="none">
+            <a:spAutoFit/>
+          </a:bodyPr>
+          <a:lstStyle/>
+          <a:p>
+            <a:r>
+              <a:rPr lang="en-IN" sz="2000" dirty="0" smtClean="0">
+                <a:solidFill>
+                  <a:schemeClr val="bg2">
+                    <a:lumMod val="50000"/>
+                  </a:schemeClr>
+                </a:solidFill>
+                <a:latin typeface="Consolas" panose="020B0609020204030204" pitchFamily="49" charset="0"/>
+              </a:rPr>
+              <a:t>Class with lambda function</a:t>
+            </a:r>
+            <a:endParaRPr lang="en-IN" sz="2000" dirty="0">
+              <a:solidFill>
+                <a:schemeClr val="bg2">
+                  <a:lumMod val="50000"/>
+                </a:schemeClr>
+              </a:solidFill>
             </a:endParaRPr>
           </a:p>
         </p:txBody>

--- a/Python.pptx
+++ b/Python.pptx
@@ -81,7 +81,7 @@
     <p:sldId id="846" r:id="rId75"/>
     <p:sldId id="797" r:id="rId76"/>
     <p:sldId id="862" r:id="rId77"/>
-    <p:sldId id="788" r:id="rId78"/>
+    <p:sldId id="886" r:id="rId78"/>
   </p:sldIdLst>
   <p:sldSz cx="9144000" cy="6858000" type="screen4x3"/>
   <p:notesSz cx="6858000" cy="9144000"/>
@@ -939,7 +939,7 @@
             <a:fld id="{52F73076-280E-4994-B9AF-08CB19D7A53F}" type="datetimeFigureOut">
               <a:rPr lang="en-US" smtClean="0"/>
               <a:pPr/>
-              <a:t>12/18/2018</a:t>
+              <a:t>1/1/2019</a:t>
             </a:fld>
             <a:endParaRPr lang="en-US" dirty="0"/>
           </a:p>
@@ -1391,7 +1391,7 @@
             <a:fld id="{52F73076-280E-4994-B9AF-08CB19D7A53F}" type="datetimeFigureOut">
               <a:rPr lang="en-US" smtClean="0"/>
               <a:pPr/>
-              <a:t>12/18/2018</a:t>
+              <a:t>1/1/2019</a:t>
             </a:fld>
             <a:endParaRPr lang="en-US" dirty="0"/>
           </a:p>
@@ -2611,7 +2611,7 @@
             <a:fld id="{52F73076-280E-4994-B9AF-08CB19D7A53F}" type="datetimeFigureOut">
               <a:rPr lang="en-US" smtClean="0"/>
               <a:pPr/>
-              <a:t>12/18/2018</a:t>
+              <a:t>1/1/2019</a:t>
             </a:fld>
             <a:endParaRPr lang="en-US" dirty="0"/>
           </a:p>
@@ -3036,7 +3036,7 @@
             <a:fld id="{52F73076-280E-4994-B9AF-08CB19D7A53F}" type="datetimeFigureOut">
               <a:rPr lang="en-US" smtClean="0"/>
               <a:pPr/>
-              <a:t>12/18/2018</a:t>
+              <a:t>1/1/2019</a:t>
             </a:fld>
             <a:endParaRPr lang="en-US" dirty="0"/>
           </a:p>
@@ -19003,16 +19003,7 @@
                 </a:solidFill>
                 <a:latin typeface="Consolas" panose="020B0609020204030204" pitchFamily="49" charset="0"/>
               </a:rPr>
-              <a:t>)       </a:t>
-            </a:r>
-            <a:r>
-              <a:rPr lang="en-IN" sz="2000" dirty="0" smtClean="0">
-                <a:solidFill>
-                  <a:srgbClr val="D3AF86"/>
-                </a:solidFill>
-                <a:latin typeface="Consolas" panose="020B0609020204030204" pitchFamily="49" charset="0"/>
-              </a:rPr>
-              <a:t>   </a:t>
+              <a:t>)          </a:t>
             </a:r>
             <a:r>
               <a:rPr lang="en-IN" sz="2000" dirty="0" smtClean="0">
@@ -42413,8 +42404,8 @@
         </p:blipFill>
         <p:spPr bwMode="auto">
           <a:xfrm>
-            <a:off x="2895600" y="757237"/>
-            <a:ext cx="3124200" cy="4881563"/>
+            <a:off x="2994781" y="1743440"/>
+            <a:ext cx="2925838" cy="4495800"/>
           </a:xfrm>
           <a:prstGeom prst="rect">
             <a:avLst/>
@@ -42431,10 +42422,50 @@
           </a:extLst>
         </p:spPr>
       </p:pic>
+      <p:sp>
+        <p:nvSpPr>
+          <p:cNvPr id="3" name="Rectangle 2"/>
+          <p:cNvSpPr/>
+          <p:nvPr/>
+        </p:nvSpPr>
+        <p:spPr>
+          <a:xfrm>
+            <a:off x="152400" y="0"/>
+            <a:ext cx="8610600" cy="1846659"/>
+          </a:xfrm>
+          <a:prstGeom prst="rect">
+            <a:avLst/>
+          </a:prstGeom>
+        </p:spPr>
+        <p:txBody>
+          <a:bodyPr wrap="square">
+            <a:spAutoFit/>
+          </a:bodyPr>
+          <a:lstStyle/>
+          <a:p>
+            <a:pPr algn="ctr"/>
+            <a:r>
+              <a:rPr lang="en-US" sz="3800" dirty="0">
+                <a:solidFill>
+                  <a:srgbClr val="CD053E"/>
+                </a:solidFill>
+                <a:latin typeface="Segoe Print" panose="02000600000000000000" pitchFamily="2" charset="0"/>
+              </a:rPr>
+              <a:t>"Without your involvement you can't succeed. With your involvement you can't fail."</a:t>
+            </a:r>
+            <a:endParaRPr lang="en-IN" sz="3800" dirty="0">
+              <a:solidFill>
+                <a:srgbClr val="CD053E"/>
+              </a:solidFill>
+              <a:latin typeface="Segoe Print" panose="02000600000000000000" pitchFamily="2" charset="0"/>
+            </a:endParaRPr>
+          </a:p>
+        </p:txBody>
+      </p:sp>
     </p:spTree>
     <p:extLst>
       <p:ext uri="{BB962C8B-B14F-4D97-AF65-F5344CB8AC3E}">
-        <p14:creationId xmlns:p14="http://schemas.microsoft.com/office/powerpoint/2010/main" val="1148130326"/>
+        <p14:creationId xmlns:p14="http://schemas.microsoft.com/office/powerpoint/2010/main" val="1835333638"/>
       </p:ext>
     </p:extLst>
   </p:cSld>
